--- a/仕様書/ゲームルール.pptx
+++ b/仕様書/ゲームルール.pptx
@@ -6,6 +6,8 @@
   </p:sldMasterIdLst>
   <p:sldIdLst>
     <p:sldId id="256" r:id="rId2"/>
+    <p:sldId id="257" r:id="rId3"/>
+    <p:sldId id="258" r:id="rId4"/>
   </p:sldIdLst>
   <p:sldSz cx="12192000" cy="6858000"/>
   <p:notesSz cx="6858000" cy="9144000"/>
@@ -104,6 +106,11 @@
       </a:defRPr>
     </a:lvl9pPr>
   </p:defaultTextStyle>
+  <p:extLst>
+    <p:ext uri="{EFAFB233-063F-42B5-8137-9DF3F51BA10A}">
+      <p15:sldGuideLst xmlns:p15="http://schemas.microsoft.com/office/powerpoint/2012/main"/>
+    </p:ext>
+  </p:extLst>
 </p:presentation>
 </file>
 
@@ -3695,8 +3702,8 @@
         </p:nvSpPr>
         <p:spPr>
           <a:xfrm>
-            <a:off x="465220" y="1556448"/>
-            <a:ext cx="2355132" cy="369332"/>
+            <a:off x="465219" y="1925780"/>
+            <a:ext cx="5955476" cy="369332"/>
           </a:xfrm>
           <a:prstGeom prst="rect">
             <a:avLst/>
@@ -3710,27 +3717,18 @@
           <a:lstStyle/>
           <a:p>
             <a:r>
-              <a:rPr lang="ja-JP" altLang="en-US" dirty="0"/>
-              <a:t>・プレイヤーの</a:t>
-            </a:r>
-            <a:r>
-              <a:rPr lang="en-US" altLang="ja-JP" dirty="0"/>
-              <a:t>HP</a:t>
-            </a:r>
-            <a:r>
-              <a:rPr lang="ja-JP" altLang="en-US" dirty="0"/>
-              <a:t>は</a:t>
-            </a:r>
-            <a:endParaRPr kumimoji="1" lang="ja-JP" altLang="en-US" dirty="0"/>
-          </a:p>
-        </p:txBody>
-      </p:sp>
-      <p:sp>
-        <p:nvSpPr>
-          <p:cNvPr id="7" name="テキスト ボックス 6">
-            <a:extLst>
-              <a:ext uri="{FF2B5EF4-FFF2-40B4-BE49-F238E27FC236}">
-                <a16:creationId xmlns:a16="http://schemas.microsoft.com/office/drawing/2014/main" id="{5FD537FF-C5EA-4ABC-A420-58D0A31F5B8F}"/>
+              <a:rPr kumimoji="1" lang="ja-JP" altLang="en-US" dirty="0"/>
+              <a:t>・一度でもダメージを受けるとチェックポイントに戻る</a:t>
+            </a:r>
+          </a:p>
+        </p:txBody>
+      </p:sp>
+      <p:sp>
+        <p:nvSpPr>
+          <p:cNvPr id="8" name="テキスト ボックス 7">
+            <a:extLst>
+              <a:ext uri="{FF2B5EF4-FFF2-40B4-BE49-F238E27FC236}">
+                <a16:creationId xmlns:a16="http://schemas.microsoft.com/office/drawing/2014/main" id="{CB13C5B9-8720-4B39-95DA-E0FF31D89D93}"/>
               </a:ext>
             </a:extLst>
           </p:cNvPr>
@@ -3739,8 +3737,8 @@
         </p:nvSpPr>
         <p:spPr>
           <a:xfrm>
-            <a:off x="465220" y="1925780"/>
-            <a:ext cx="415498" cy="369332"/>
+            <a:off x="467146" y="2285092"/>
+            <a:ext cx="5035295" cy="369332"/>
           </a:xfrm>
           <a:prstGeom prst="rect">
             <a:avLst/>
@@ -3748,14 +3746,115 @@
           <a:noFill/>
         </p:spPr>
         <p:txBody>
-          <a:bodyPr wrap="none" rtlCol="0">
+          <a:bodyPr wrap="square">
             <a:spAutoFit/>
           </a:bodyPr>
           <a:lstStyle/>
           <a:p>
             <a:r>
               <a:rPr lang="ja-JP" altLang="en-US" dirty="0"/>
+              <a:t>・ゴールにたどり着いたら次のステージに行く</a:t>
+            </a:r>
+          </a:p>
+        </p:txBody>
+      </p:sp>
+      <p:sp>
+        <p:nvSpPr>
+          <p:cNvPr id="9" name="テキスト ボックス 8">
+            <a:extLst>
+              <a:ext uri="{FF2B5EF4-FFF2-40B4-BE49-F238E27FC236}">
+                <a16:creationId xmlns:a16="http://schemas.microsoft.com/office/drawing/2014/main" id="{08098D76-4D26-4AD0-9733-F691AD7586FB}"/>
+              </a:ext>
+            </a:extLst>
+          </p:cNvPr>
+          <p:cNvSpPr txBox="1"/>
+          <p:nvPr/>
+        </p:nvSpPr>
+        <p:spPr>
+          <a:xfrm>
+            <a:off x="465220" y="1551438"/>
+            <a:ext cx="7523747" cy="369332"/>
+          </a:xfrm>
+          <a:prstGeom prst="rect">
+            <a:avLst/>
+          </a:prstGeom>
+          <a:noFill/>
+        </p:spPr>
+        <p:txBody>
+          <a:bodyPr wrap="square">
+            <a:spAutoFit/>
+          </a:bodyPr>
+          <a:lstStyle/>
+          <a:p>
+            <a:r>
+              <a:rPr lang="ja-JP" altLang="en-US" dirty="0"/>
+              <a:t>・黄色の敵を倒すことで黄色状態になることができるようになる</a:t>
+            </a:r>
+          </a:p>
+        </p:txBody>
+      </p:sp>
+      <p:sp>
+        <p:nvSpPr>
+          <p:cNvPr id="12" name="テキスト ボックス 11">
+            <a:extLst>
+              <a:ext uri="{FF2B5EF4-FFF2-40B4-BE49-F238E27FC236}">
+                <a16:creationId xmlns:a16="http://schemas.microsoft.com/office/drawing/2014/main" id="{E358E74F-7D66-42A6-86D4-C731F54FF754}"/>
+              </a:ext>
+            </a:extLst>
+          </p:cNvPr>
+          <p:cNvSpPr txBox="1"/>
+          <p:nvPr/>
+        </p:nvSpPr>
+        <p:spPr>
+          <a:xfrm>
+            <a:off x="7283117" y="5959642"/>
+            <a:ext cx="4652210" cy="646331"/>
+          </a:xfrm>
+          <a:prstGeom prst="rect">
+            <a:avLst/>
+          </a:prstGeom>
+          <a:noFill/>
+        </p:spPr>
+        <p:txBody>
+          <a:bodyPr wrap="square" rtlCol="0">
+            <a:spAutoFit/>
+          </a:bodyPr>
+          <a:lstStyle/>
+          <a:p>
+            <a:r>
+              <a:rPr kumimoji="1" lang="ja-JP" altLang="en-US" dirty="0"/>
               <a:t>・</a:t>
+            </a:r>
+            <a:r>
+              <a:rPr kumimoji="1" lang="en-US" altLang="ja-JP" dirty="0"/>
+              <a:t>MEMO</a:t>
+            </a:r>
+            <a:br>
+              <a:rPr kumimoji="1" lang="en-US" altLang="ja-JP" dirty="0"/>
+            </a:br>
+            <a:r>
+              <a:rPr kumimoji="1" lang="ja-JP" altLang="en-US" dirty="0"/>
+              <a:t>完全ステージ制</a:t>
+            </a:r>
+            <a:r>
+              <a:rPr kumimoji="1" lang="en-US" altLang="ja-JP" dirty="0"/>
+              <a:t>(</a:t>
+            </a:r>
+            <a:r>
+              <a:rPr kumimoji="1" lang="ja-JP" altLang="en-US" dirty="0"/>
+              <a:t>ステージ</a:t>
+            </a:r>
+            <a:r>
+              <a:rPr kumimoji="1" lang="en-US" altLang="ja-JP" dirty="0"/>
+              <a:t>1</a:t>
+            </a:r>
+            <a:r>
+              <a:rPr kumimoji="1" lang="ja-JP" altLang="en-US" dirty="0"/>
+              <a:t>・ステージ</a:t>
+            </a:r>
+            <a:r>
+              <a:rPr kumimoji="1" lang="en-US" altLang="ja-JP" dirty="0"/>
+              <a:t>2…)</a:t>
             </a:r>
             <a:endParaRPr kumimoji="1" lang="ja-JP" altLang="en-US" dirty="0"/>
           </a:p>
@@ -3765,6 +3864,485 @@
     <p:extLst>
       <p:ext uri="{BB962C8B-B14F-4D97-AF65-F5344CB8AC3E}">
         <p14:creationId xmlns:p14="http://schemas.microsoft.com/office/powerpoint/2010/main" val="4059024006"/>
+      </p:ext>
+    </p:extLst>
+  </p:cSld>
+  <p:clrMapOvr>
+    <a:masterClrMapping/>
+  </p:clrMapOvr>
+</p:sld>
+</file>
+
+<file path=ppt/slides/slide2.xml><?xml version="1.0" encoding="utf-8"?>
+<p:sld xmlns:a="http://schemas.openxmlformats.org/drawingml/2006/main" xmlns:r="http://schemas.openxmlformats.org/officeDocument/2006/relationships" xmlns:p="http://schemas.openxmlformats.org/presentationml/2006/main">
+  <p:cSld>
+    <p:spTree>
+      <p:nvGrpSpPr>
+        <p:cNvPr id="1" name=""/>
+        <p:cNvGrpSpPr/>
+        <p:nvPr/>
+      </p:nvGrpSpPr>
+      <p:grpSpPr>
+        <a:xfrm>
+          <a:off x="0" y="0"/>
+          <a:ext cx="0" cy="0"/>
+          <a:chOff x="0" y="0"/>
+          <a:chExt cx="0" cy="0"/>
+        </a:xfrm>
+      </p:grpSpPr>
+      <p:sp>
+        <p:nvSpPr>
+          <p:cNvPr id="4" name="テキスト ボックス 3">
+            <a:extLst>
+              <a:ext uri="{FF2B5EF4-FFF2-40B4-BE49-F238E27FC236}">
+                <a16:creationId xmlns:a16="http://schemas.microsoft.com/office/drawing/2014/main" id="{7EEBCC04-D2BD-4881-B301-082492C58A87}"/>
+              </a:ext>
+            </a:extLst>
+          </p:cNvPr>
+          <p:cNvSpPr txBox="1"/>
+          <p:nvPr/>
+        </p:nvSpPr>
+        <p:spPr>
+          <a:xfrm>
+            <a:off x="0" y="0"/>
+            <a:ext cx="1107996" cy="369332"/>
+          </a:xfrm>
+          <a:prstGeom prst="rect">
+            <a:avLst/>
+          </a:prstGeom>
+          <a:noFill/>
+        </p:spPr>
+        <p:txBody>
+          <a:bodyPr wrap="none" rtlCol="0">
+            <a:spAutoFit/>
+          </a:bodyPr>
+          <a:lstStyle/>
+          <a:p>
+            <a:r>
+              <a:rPr lang="ja-JP" altLang="en-US" dirty="0"/>
+              <a:t>基本操作</a:t>
+            </a:r>
+            <a:endParaRPr kumimoji="1" lang="ja-JP" altLang="en-US" dirty="0"/>
+          </a:p>
+        </p:txBody>
+      </p:sp>
+      <p:graphicFrame>
+        <p:nvGraphicFramePr>
+          <p:cNvPr id="11" name="表 11">
+            <a:extLst>
+              <a:ext uri="{FF2B5EF4-FFF2-40B4-BE49-F238E27FC236}">
+                <a16:creationId xmlns:a16="http://schemas.microsoft.com/office/drawing/2014/main" id="{DD55CBF3-1CA3-452E-9413-250156311672}"/>
+              </a:ext>
+            </a:extLst>
+          </p:cNvPr>
+          <p:cNvGraphicFramePr>
+            <a:graphicFrameLocks noGrp="1"/>
+          </p:cNvGraphicFramePr>
+          <p:nvPr>
+            <p:extLst>
+              <p:ext uri="{D42A27DB-BD31-4B8C-83A1-F6EECF244321}">
+                <p14:modId xmlns:p14="http://schemas.microsoft.com/office/powerpoint/2010/main" val="823180247"/>
+              </p:ext>
+            </p:extLst>
+          </p:nvPr>
+        </p:nvGraphicFramePr>
+        <p:xfrm>
+          <a:off x="467894" y="1051560"/>
+          <a:ext cx="8128000" cy="2377440"/>
+        </p:xfrm>
+        <a:graphic>
+          <a:graphicData uri="http://schemas.openxmlformats.org/drawingml/2006/table">
+            <a:tbl>
+              <a:tblPr firstRow="1" bandRow="1">
+                <a:tableStyleId>{5C22544A-7EE6-4342-B048-85BDC9FD1C3A}</a:tableStyleId>
+              </a:tblPr>
+              <a:tblGrid>
+                <a:gridCol w="4064000">
+                  <a:extLst>
+                    <a:ext uri="{9D8B030D-6E8A-4147-A177-3AD203B41FA5}">
+                      <a16:colId xmlns:a16="http://schemas.microsoft.com/office/drawing/2014/main" val="2125663568"/>
+                    </a:ext>
+                  </a:extLst>
+                </a:gridCol>
+                <a:gridCol w="4064000">
+                  <a:extLst>
+                    <a:ext uri="{9D8B030D-6E8A-4147-A177-3AD203B41FA5}">
+                      <a16:colId xmlns:a16="http://schemas.microsoft.com/office/drawing/2014/main" val="120634067"/>
+                    </a:ext>
+                  </a:extLst>
+                </a:gridCol>
+              </a:tblGrid>
+              <a:tr h="310604">
+                <a:tc>
+                  <a:txBody>
+                    <a:bodyPr/>
+                    <a:lstStyle/>
+                    <a:p>
+                      <a:r>
+                        <a:rPr kumimoji="1" lang="ja-JP" altLang="en-US" dirty="0"/>
+                        <a:t>操作キー</a:t>
+                      </a:r>
+                    </a:p>
+                  </a:txBody>
+                  <a:tcPr/>
+                </a:tc>
+                <a:tc>
+                  <a:txBody>
+                    <a:bodyPr/>
+                    <a:lstStyle/>
+                    <a:p>
+                      <a:r>
+                        <a:rPr kumimoji="1" lang="ja-JP" altLang="en-US" dirty="0"/>
+                        <a:t>動作</a:t>
+                      </a:r>
+                    </a:p>
+                  </a:txBody>
+                  <a:tcPr/>
+                </a:tc>
+                <a:extLst>
+                  <a:ext uri="{0D108BD9-81ED-4DB2-BD59-A6C34878D82A}">
+                    <a16:rowId xmlns:a16="http://schemas.microsoft.com/office/drawing/2014/main" val="360563759"/>
+                  </a:ext>
+                </a:extLst>
+              </a:tr>
+              <a:tr h="310604">
+                <a:tc>
+                  <a:txBody>
+                    <a:bodyPr/>
+                    <a:lstStyle/>
+                    <a:p>
+                      <a:r>
+                        <a:rPr kumimoji="1" lang="ja-JP" altLang="en-US" dirty="0"/>
+                        <a:t>カーソルキー</a:t>
+                      </a:r>
+                    </a:p>
+                  </a:txBody>
+                  <a:tcPr/>
+                </a:tc>
+                <a:tc>
+                  <a:txBody>
+                    <a:bodyPr/>
+                    <a:lstStyle/>
+                    <a:p>
+                      <a:r>
+                        <a:rPr kumimoji="1" lang="ja-JP" altLang="en-US" dirty="0"/>
+                        <a:t>移動</a:t>
+                      </a:r>
+                      <a:endParaRPr kumimoji="1" lang="en-US" altLang="ja-JP" dirty="0"/>
+                    </a:p>
+                    <a:p>
+                      <a:r>
+                        <a:rPr kumimoji="1" lang="ja-JP" altLang="en-US" dirty="0"/>
+                        <a:t>モード切替画面</a:t>
+                      </a:r>
+                      <a:r>
+                        <a:rPr kumimoji="1" lang="en-US" altLang="ja-JP" dirty="0"/>
+                        <a:t>(</a:t>
+                      </a:r>
+                      <a:r>
+                        <a:rPr kumimoji="1" lang="ja-JP" altLang="en-US" dirty="0"/>
+                        <a:t>モード切替画面</a:t>
+                      </a:r>
+                      <a:r>
+                        <a:rPr kumimoji="1" lang="en-US" altLang="ja-JP" dirty="0"/>
+                        <a:t>)</a:t>
+                      </a:r>
+                      <a:endParaRPr kumimoji="1" lang="ja-JP" altLang="en-US" dirty="0"/>
+                    </a:p>
+                  </a:txBody>
+                  <a:tcPr/>
+                </a:tc>
+                <a:extLst>
+                  <a:ext uri="{0D108BD9-81ED-4DB2-BD59-A6C34878D82A}">
+                    <a16:rowId xmlns:a16="http://schemas.microsoft.com/office/drawing/2014/main" val="1151688564"/>
+                  </a:ext>
+                </a:extLst>
+              </a:tr>
+              <a:tr h="310604">
+                <a:tc>
+                  <a:txBody>
+                    <a:bodyPr/>
+                    <a:lstStyle/>
+                    <a:p>
+                      <a:r>
+                        <a:rPr kumimoji="1" lang="en-US" altLang="ja-JP" dirty="0"/>
+                        <a:t>SPACE</a:t>
+                      </a:r>
+                      <a:endParaRPr kumimoji="1" lang="ja-JP" altLang="en-US" dirty="0"/>
+                    </a:p>
+                  </a:txBody>
+                  <a:tcPr/>
+                </a:tc>
+                <a:tc>
+                  <a:txBody>
+                    <a:bodyPr/>
+                    <a:lstStyle/>
+                    <a:p>
+                      <a:r>
+                        <a:rPr kumimoji="1" lang="ja-JP" altLang="en-US" dirty="0"/>
+                        <a:t>ジャンプ</a:t>
+                      </a:r>
+                    </a:p>
+                  </a:txBody>
+                  <a:tcPr/>
+                </a:tc>
+                <a:extLst>
+                  <a:ext uri="{0D108BD9-81ED-4DB2-BD59-A6C34878D82A}">
+                    <a16:rowId xmlns:a16="http://schemas.microsoft.com/office/drawing/2014/main" val="2244317182"/>
+                  </a:ext>
+                </a:extLst>
+              </a:tr>
+              <a:tr h="310604">
+                <a:tc>
+                  <a:txBody>
+                    <a:bodyPr/>
+                    <a:lstStyle/>
+                    <a:p>
+                      <a:r>
+                        <a:rPr kumimoji="1" lang="en-US" altLang="ja-JP" dirty="0"/>
+                        <a:t>F</a:t>
+                      </a:r>
+                      <a:endParaRPr kumimoji="1" lang="ja-JP" altLang="en-US" dirty="0"/>
+                    </a:p>
+                  </a:txBody>
+                  <a:tcPr/>
+                </a:tc>
+                <a:tc>
+                  <a:txBody>
+                    <a:bodyPr/>
+                    <a:lstStyle/>
+                    <a:p>
+                      <a:r>
+                        <a:rPr kumimoji="1" lang="ja-JP" altLang="en-US" dirty="0"/>
+                        <a:t>・攻撃</a:t>
+                      </a:r>
+                      <a:r>
+                        <a:rPr kumimoji="1" lang="en-US" altLang="ja-JP" dirty="0"/>
+                        <a:t>(</a:t>
+                      </a:r>
+                      <a:r>
+                        <a:rPr kumimoji="1" lang="ja-JP" altLang="en-US" dirty="0"/>
+                        <a:t>赤状態のみ</a:t>
+                      </a:r>
+                      <a:r>
+                        <a:rPr kumimoji="1" lang="en-US" altLang="ja-JP" dirty="0"/>
+                        <a:t>)</a:t>
+                      </a:r>
+                    </a:p>
+                    <a:p>
+                      <a:r>
+                        <a:rPr kumimoji="1" lang="ja-JP" altLang="en-US" dirty="0"/>
+                        <a:t>・決定</a:t>
+                      </a:r>
+                      <a:r>
+                        <a:rPr kumimoji="1" lang="en-US" altLang="ja-JP" dirty="0"/>
+                        <a:t>(</a:t>
+                      </a:r>
+                      <a:r>
+                        <a:rPr kumimoji="1" lang="ja-JP" altLang="en-US" dirty="0"/>
+                        <a:t>モード切替画面</a:t>
+                      </a:r>
+                      <a:r>
+                        <a:rPr kumimoji="1" lang="en-US" altLang="ja-JP" dirty="0"/>
+                        <a:t>)</a:t>
+                      </a:r>
+                      <a:endParaRPr kumimoji="1" lang="ja-JP" altLang="en-US" dirty="0"/>
+                    </a:p>
+                  </a:txBody>
+                  <a:tcPr/>
+                </a:tc>
+                <a:extLst>
+                  <a:ext uri="{0D108BD9-81ED-4DB2-BD59-A6C34878D82A}">
+                    <a16:rowId xmlns:a16="http://schemas.microsoft.com/office/drawing/2014/main" val="3379341446"/>
+                  </a:ext>
+                </a:extLst>
+              </a:tr>
+              <a:tr h="306349">
+                <a:tc>
+                  <a:txBody>
+                    <a:bodyPr/>
+                    <a:lstStyle/>
+                    <a:p>
+                      <a:endParaRPr kumimoji="1" lang="ja-JP" altLang="en-US" dirty="0"/>
+                    </a:p>
+                  </a:txBody>
+                  <a:tcPr/>
+                </a:tc>
+                <a:tc>
+                  <a:txBody>
+                    <a:bodyPr/>
+                    <a:lstStyle/>
+                    <a:p>
+                      <a:r>
+                        <a:rPr kumimoji="1" lang="ja-JP" altLang="en-US" dirty="0"/>
+                        <a:t>モード切替画面</a:t>
+                      </a:r>
+                    </a:p>
+                  </a:txBody>
+                  <a:tcPr/>
+                </a:tc>
+                <a:extLst>
+                  <a:ext uri="{0D108BD9-81ED-4DB2-BD59-A6C34878D82A}">
+                    <a16:rowId xmlns:a16="http://schemas.microsoft.com/office/drawing/2014/main" val="3301505726"/>
+                  </a:ext>
+                </a:extLst>
+              </a:tr>
+            </a:tbl>
+          </a:graphicData>
+        </a:graphic>
+      </p:graphicFrame>
+    </p:spTree>
+    <p:extLst>
+      <p:ext uri="{BB962C8B-B14F-4D97-AF65-F5344CB8AC3E}">
+        <p14:creationId xmlns:p14="http://schemas.microsoft.com/office/powerpoint/2010/main" val="1784704192"/>
+      </p:ext>
+    </p:extLst>
+  </p:cSld>
+  <p:clrMapOvr>
+    <a:masterClrMapping/>
+  </p:clrMapOvr>
+</p:sld>
+</file>
+
+<file path=ppt/slides/slide3.xml><?xml version="1.0" encoding="utf-8"?>
+<p:sld xmlns:a="http://schemas.openxmlformats.org/drawingml/2006/main" xmlns:r="http://schemas.openxmlformats.org/officeDocument/2006/relationships" xmlns:p="http://schemas.openxmlformats.org/presentationml/2006/main">
+  <p:cSld>
+    <p:spTree>
+      <p:nvGrpSpPr>
+        <p:cNvPr id="1" name=""/>
+        <p:cNvGrpSpPr/>
+        <p:nvPr/>
+      </p:nvGrpSpPr>
+      <p:grpSpPr>
+        <a:xfrm>
+          <a:off x="0" y="0"/>
+          <a:ext cx="0" cy="0"/>
+          <a:chOff x="0" y="0"/>
+          <a:chExt cx="0" cy="0"/>
+        </a:xfrm>
+      </p:grpSpPr>
+      <p:sp>
+        <p:nvSpPr>
+          <p:cNvPr id="5" name="テキスト ボックス 4">
+            <a:extLst>
+              <a:ext uri="{FF2B5EF4-FFF2-40B4-BE49-F238E27FC236}">
+                <a16:creationId xmlns:a16="http://schemas.microsoft.com/office/drawing/2014/main" id="{EEAD7024-E8E9-4966-BDAC-B4F44029CAD3}"/>
+              </a:ext>
+            </a:extLst>
+          </p:cNvPr>
+          <p:cNvSpPr txBox="1"/>
+          <p:nvPr/>
+        </p:nvSpPr>
+        <p:spPr>
+          <a:xfrm>
+            <a:off x="0" y="96253"/>
+            <a:ext cx="2723823" cy="369332"/>
+          </a:xfrm>
+          <a:prstGeom prst="rect">
+            <a:avLst/>
+          </a:prstGeom>
+          <a:noFill/>
+        </p:spPr>
+        <p:txBody>
+          <a:bodyPr wrap="none" rtlCol="0">
+            <a:spAutoFit/>
+          </a:bodyPr>
+          <a:lstStyle/>
+          <a:p>
+            <a:r>
+              <a:rPr kumimoji="1" lang="ja-JP" altLang="en-US" dirty="0"/>
+              <a:t>モード切替画面</a:t>
+            </a:r>
+            <a:r>
+              <a:rPr lang="ja-JP" altLang="en-US" dirty="0"/>
+              <a:t>について</a:t>
+            </a:r>
+            <a:endParaRPr kumimoji="1" lang="ja-JP" altLang="en-US" dirty="0"/>
+          </a:p>
+        </p:txBody>
+      </p:sp>
+      <p:sp>
+        <p:nvSpPr>
+          <p:cNvPr id="6" name="テキスト ボックス 5">
+            <a:extLst>
+              <a:ext uri="{FF2B5EF4-FFF2-40B4-BE49-F238E27FC236}">
+                <a16:creationId xmlns:a16="http://schemas.microsoft.com/office/drawing/2014/main" id="{EE70FCF7-20AD-487A-95BE-2749CB2A086E}"/>
+              </a:ext>
+            </a:extLst>
+          </p:cNvPr>
+          <p:cNvSpPr txBox="1"/>
+          <p:nvPr/>
+        </p:nvSpPr>
+        <p:spPr>
+          <a:xfrm>
+            <a:off x="617621" y="818147"/>
+            <a:ext cx="6186309" cy="369332"/>
+          </a:xfrm>
+          <a:prstGeom prst="rect">
+            <a:avLst/>
+          </a:prstGeom>
+          <a:noFill/>
+        </p:spPr>
+        <p:txBody>
+          <a:bodyPr wrap="none" rtlCol="0">
+            <a:spAutoFit/>
+          </a:bodyPr>
+          <a:lstStyle/>
+          <a:p>
+            <a:r>
+              <a:rPr kumimoji="1" lang="ja-JP" altLang="en-US" dirty="0"/>
+              <a:t>・モード切替画面を押すと敵・プレイヤーの動きが止まる</a:t>
+            </a:r>
+          </a:p>
+        </p:txBody>
+      </p:sp>
+      <p:sp>
+        <p:nvSpPr>
+          <p:cNvPr id="7" name="テキスト ボックス 6">
+            <a:extLst>
+              <a:ext uri="{FF2B5EF4-FFF2-40B4-BE49-F238E27FC236}">
+                <a16:creationId xmlns:a16="http://schemas.microsoft.com/office/drawing/2014/main" id="{2AC2D322-A941-4DA2-8875-1A2E37DE8F54}"/>
+              </a:ext>
+            </a:extLst>
+          </p:cNvPr>
+          <p:cNvSpPr txBox="1"/>
+          <p:nvPr/>
+        </p:nvSpPr>
+        <p:spPr>
+          <a:xfrm>
+            <a:off x="617621" y="1170709"/>
+            <a:ext cx="10341293" cy="369332"/>
+          </a:xfrm>
+          <a:prstGeom prst="rect">
+            <a:avLst/>
+          </a:prstGeom>
+          <a:noFill/>
+        </p:spPr>
+        <p:txBody>
+          <a:bodyPr wrap="none" rtlCol="0">
+            <a:spAutoFit/>
+          </a:bodyPr>
+          <a:lstStyle/>
+          <a:p>
+            <a:r>
+              <a:rPr kumimoji="1" lang="ja-JP" altLang="en-US" dirty="0"/>
+              <a:t>・</a:t>
+            </a:r>
+            <a:r>
+              <a:rPr lang="ja-JP" altLang="en-US" dirty="0"/>
+              <a:t>カーソル</a:t>
+            </a:r>
+            <a:r>
+              <a:rPr kumimoji="1" lang="ja-JP" altLang="en-US" dirty="0"/>
+              <a:t>キーで使用する強化状態を選択、決定キーを押した瞬間に敵・プレイヤーが動き始める</a:t>
+            </a:r>
+          </a:p>
+        </p:txBody>
+      </p:sp>
+    </p:spTree>
+    <p:extLst>
+      <p:ext uri="{BB962C8B-B14F-4D97-AF65-F5344CB8AC3E}">
+        <p14:creationId xmlns:p14="http://schemas.microsoft.com/office/powerpoint/2010/main" val="1025964586"/>
       </p:ext>
     </p:extLst>
   </p:cSld>

--- a/仕様書/ゲームルール.pptx
+++ b/仕様書/ゲームルール.pptx
@@ -261,7 +261,7 @@
           <a:p>
             <a:fld id="{470CE0AF-FDD9-428B-9B6C-89E4A49222C7}" type="datetimeFigureOut">
               <a:rPr kumimoji="1" lang="ja-JP" altLang="en-US" smtClean="0"/>
-              <a:t>2026/2/4</a:t>
+              <a:t>2026/2/5</a:t>
             </a:fld>
             <a:endParaRPr kumimoji="1" lang="ja-JP" altLang="en-US"/>
           </a:p>
@@ -491,7 +491,7 @@
           <a:p>
             <a:fld id="{470CE0AF-FDD9-428B-9B6C-89E4A49222C7}" type="datetimeFigureOut">
               <a:rPr kumimoji="1" lang="ja-JP" altLang="en-US" smtClean="0"/>
-              <a:t>2026/2/4</a:t>
+              <a:t>2026/2/5</a:t>
             </a:fld>
             <a:endParaRPr kumimoji="1" lang="ja-JP" altLang="en-US"/>
           </a:p>
@@ -731,7 +731,7 @@
           <a:p>
             <a:fld id="{470CE0AF-FDD9-428B-9B6C-89E4A49222C7}" type="datetimeFigureOut">
               <a:rPr kumimoji="1" lang="ja-JP" altLang="en-US" smtClean="0"/>
-              <a:t>2026/2/4</a:t>
+              <a:t>2026/2/5</a:t>
             </a:fld>
             <a:endParaRPr kumimoji="1" lang="ja-JP" altLang="en-US"/>
           </a:p>
@@ -961,7 +961,7 @@
           <a:p>
             <a:fld id="{470CE0AF-FDD9-428B-9B6C-89E4A49222C7}" type="datetimeFigureOut">
               <a:rPr kumimoji="1" lang="ja-JP" altLang="en-US" smtClean="0"/>
-              <a:t>2026/2/4</a:t>
+              <a:t>2026/2/5</a:t>
             </a:fld>
             <a:endParaRPr kumimoji="1" lang="ja-JP" altLang="en-US"/>
           </a:p>
@@ -1236,7 +1236,7 @@
           <a:p>
             <a:fld id="{470CE0AF-FDD9-428B-9B6C-89E4A49222C7}" type="datetimeFigureOut">
               <a:rPr kumimoji="1" lang="ja-JP" altLang="en-US" smtClean="0"/>
-              <a:t>2026/2/4</a:t>
+              <a:t>2026/2/5</a:t>
             </a:fld>
             <a:endParaRPr kumimoji="1" lang="ja-JP" altLang="en-US"/>
           </a:p>
@@ -1565,7 +1565,7 @@
           <a:p>
             <a:fld id="{470CE0AF-FDD9-428B-9B6C-89E4A49222C7}" type="datetimeFigureOut">
               <a:rPr kumimoji="1" lang="ja-JP" altLang="en-US" smtClean="0"/>
-              <a:t>2026/2/4</a:t>
+              <a:t>2026/2/5</a:t>
             </a:fld>
             <a:endParaRPr kumimoji="1" lang="ja-JP" altLang="en-US"/>
           </a:p>
@@ -2041,7 +2041,7 @@
           <a:p>
             <a:fld id="{470CE0AF-FDD9-428B-9B6C-89E4A49222C7}" type="datetimeFigureOut">
               <a:rPr kumimoji="1" lang="ja-JP" altLang="en-US" smtClean="0"/>
-              <a:t>2026/2/4</a:t>
+              <a:t>2026/2/5</a:t>
             </a:fld>
             <a:endParaRPr kumimoji="1" lang="ja-JP" altLang="en-US"/>
           </a:p>
@@ -2182,7 +2182,7 @@
           <a:p>
             <a:fld id="{470CE0AF-FDD9-428B-9B6C-89E4A49222C7}" type="datetimeFigureOut">
               <a:rPr kumimoji="1" lang="ja-JP" altLang="en-US" smtClean="0"/>
-              <a:t>2026/2/4</a:t>
+              <a:t>2026/2/5</a:t>
             </a:fld>
             <a:endParaRPr kumimoji="1" lang="ja-JP" altLang="en-US"/>
           </a:p>
@@ -2295,7 +2295,7 @@
           <a:p>
             <a:fld id="{470CE0AF-FDD9-428B-9B6C-89E4A49222C7}" type="datetimeFigureOut">
               <a:rPr kumimoji="1" lang="ja-JP" altLang="en-US" smtClean="0"/>
-              <a:t>2026/2/4</a:t>
+              <a:t>2026/2/5</a:t>
             </a:fld>
             <a:endParaRPr kumimoji="1" lang="ja-JP" altLang="en-US"/>
           </a:p>
@@ -2638,7 +2638,7 @@
           <a:p>
             <a:fld id="{470CE0AF-FDD9-428B-9B6C-89E4A49222C7}" type="datetimeFigureOut">
               <a:rPr kumimoji="1" lang="ja-JP" altLang="en-US" smtClean="0"/>
-              <a:t>2026/2/4</a:t>
+              <a:t>2026/2/5</a:t>
             </a:fld>
             <a:endParaRPr kumimoji="1" lang="ja-JP" altLang="en-US"/>
           </a:p>
@@ -2926,7 +2926,7 @@
           <a:p>
             <a:fld id="{470CE0AF-FDD9-428B-9B6C-89E4A49222C7}" type="datetimeFigureOut">
               <a:rPr kumimoji="1" lang="ja-JP" altLang="en-US" smtClean="0"/>
-              <a:t>2026/2/4</a:t>
+              <a:t>2026/2/5</a:t>
             </a:fld>
             <a:endParaRPr kumimoji="1" lang="ja-JP" altLang="en-US"/>
           </a:p>
@@ -3199,7 +3199,7 @@
           <a:p>
             <a:fld id="{470CE0AF-FDD9-428B-9B6C-89E4A49222C7}" type="datetimeFigureOut">
               <a:rPr kumimoji="1" lang="ja-JP" altLang="en-US" smtClean="0"/>
-              <a:t>2026/2/4</a:t>
+              <a:t>2026/2/5</a:t>
             </a:fld>
             <a:endParaRPr kumimoji="1" lang="ja-JP" altLang="en-US"/>
           </a:p>
@@ -3941,7 +3941,7 @@
           <p:nvPr>
             <p:extLst>
               <p:ext uri="{D42A27DB-BD31-4B8C-83A1-F6EECF244321}">
-                <p14:modId xmlns:p14="http://schemas.microsoft.com/office/powerpoint/2010/main" val="823180247"/>
+                <p14:modId xmlns:p14="http://schemas.microsoft.com/office/powerpoint/2010/main" val="540565473"/>
               </p:ext>
             </p:extLst>
           </p:nvPr>
@@ -4163,6 +4163,10 @@
                     <a:bodyPr/>
                     <a:lstStyle/>
                     <a:p>
+                      <a:r>
+                        <a:rPr kumimoji="1" lang="en-US" altLang="ja-JP"/>
+                        <a:t>Q</a:t>
+                      </a:r>
                       <a:endParaRPr kumimoji="1" lang="ja-JP" altLang="en-US" dirty="0"/>
                     </a:p>
                   </a:txBody>

--- a/仕様書/ゲームルール.pptx
+++ b/仕様書/ゲームルール.pptx
@@ -261,7 +261,7 @@
           <a:p>
             <a:fld id="{470CE0AF-FDD9-428B-9B6C-89E4A49222C7}" type="datetimeFigureOut">
               <a:rPr kumimoji="1" lang="ja-JP" altLang="en-US" smtClean="0"/>
-              <a:t>2026/2/4</a:t>
+              <a:t>2026/2/5</a:t>
             </a:fld>
             <a:endParaRPr kumimoji="1" lang="ja-JP" altLang="en-US"/>
           </a:p>
@@ -491,7 +491,7 @@
           <a:p>
             <a:fld id="{470CE0AF-FDD9-428B-9B6C-89E4A49222C7}" type="datetimeFigureOut">
               <a:rPr kumimoji="1" lang="ja-JP" altLang="en-US" smtClean="0"/>
-              <a:t>2026/2/4</a:t>
+              <a:t>2026/2/5</a:t>
             </a:fld>
             <a:endParaRPr kumimoji="1" lang="ja-JP" altLang="en-US"/>
           </a:p>
@@ -731,7 +731,7 @@
           <a:p>
             <a:fld id="{470CE0AF-FDD9-428B-9B6C-89E4A49222C7}" type="datetimeFigureOut">
               <a:rPr kumimoji="1" lang="ja-JP" altLang="en-US" smtClean="0"/>
-              <a:t>2026/2/4</a:t>
+              <a:t>2026/2/5</a:t>
             </a:fld>
             <a:endParaRPr kumimoji="1" lang="ja-JP" altLang="en-US"/>
           </a:p>
@@ -961,7 +961,7 @@
           <a:p>
             <a:fld id="{470CE0AF-FDD9-428B-9B6C-89E4A49222C7}" type="datetimeFigureOut">
               <a:rPr kumimoji="1" lang="ja-JP" altLang="en-US" smtClean="0"/>
-              <a:t>2026/2/4</a:t>
+              <a:t>2026/2/5</a:t>
             </a:fld>
             <a:endParaRPr kumimoji="1" lang="ja-JP" altLang="en-US"/>
           </a:p>
@@ -1236,7 +1236,7 @@
           <a:p>
             <a:fld id="{470CE0AF-FDD9-428B-9B6C-89E4A49222C7}" type="datetimeFigureOut">
               <a:rPr kumimoji="1" lang="ja-JP" altLang="en-US" smtClean="0"/>
-              <a:t>2026/2/4</a:t>
+              <a:t>2026/2/5</a:t>
             </a:fld>
             <a:endParaRPr kumimoji="1" lang="ja-JP" altLang="en-US"/>
           </a:p>
@@ -1565,7 +1565,7 @@
           <a:p>
             <a:fld id="{470CE0AF-FDD9-428B-9B6C-89E4A49222C7}" type="datetimeFigureOut">
               <a:rPr kumimoji="1" lang="ja-JP" altLang="en-US" smtClean="0"/>
-              <a:t>2026/2/4</a:t>
+              <a:t>2026/2/5</a:t>
             </a:fld>
             <a:endParaRPr kumimoji="1" lang="ja-JP" altLang="en-US"/>
           </a:p>
@@ -2041,7 +2041,7 @@
           <a:p>
             <a:fld id="{470CE0AF-FDD9-428B-9B6C-89E4A49222C7}" type="datetimeFigureOut">
               <a:rPr kumimoji="1" lang="ja-JP" altLang="en-US" smtClean="0"/>
-              <a:t>2026/2/4</a:t>
+              <a:t>2026/2/5</a:t>
             </a:fld>
             <a:endParaRPr kumimoji="1" lang="ja-JP" altLang="en-US"/>
           </a:p>
@@ -2182,7 +2182,7 @@
           <a:p>
             <a:fld id="{470CE0AF-FDD9-428B-9B6C-89E4A49222C7}" type="datetimeFigureOut">
               <a:rPr kumimoji="1" lang="ja-JP" altLang="en-US" smtClean="0"/>
-              <a:t>2026/2/4</a:t>
+              <a:t>2026/2/5</a:t>
             </a:fld>
             <a:endParaRPr kumimoji="1" lang="ja-JP" altLang="en-US"/>
           </a:p>
@@ -2295,7 +2295,7 @@
           <a:p>
             <a:fld id="{470CE0AF-FDD9-428B-9B6C-89E4A49222C7}" type="datetimeFigureOut">
               <a:rPr kumimoji="1" lang="ja-JP" altLang="en-US" smtClean="0"/>
-              <a:t>2026/2/4</a:t>
+              <a:t>2026/2/5</a:t>
             </a:fld>
             <a:endParaRPr kumimoji="1" lang="ja-JP" altLang="en-US"/>
           </a:p>
@@ -2638,7 +2638,7 @@
           <a:p>
             <a:fld id="{470CE0AF-FDD9-428B-9B6C-89E4A49222C7}" type="datetimeFigureOut">
               <a:rPr kumimoji="1" lang="ja-JP" altLang="en-US" smtClean="0"/>
-              <a:t>2026/2/4</a:t>
+              <a:t>2026/2/5</a:t>
             </a:fld>
             <a:endParaRPr kumimoji="1" lang="ja-JP" altLang="en-US"/>
           </a:p>
@@ -2926,7 +2926,7 @@
           <a:p>
             <a:fld id="{470CE0AF-FDD9-428B-9B6C-89E4A49222C7}" type="datetimeFigureOut">
               <a:rPr kumimoji="1" lang="ja-JP" altLang="en-US" smtClean="0"/>
-              <a:t>2026/2/4</a:t>
+              <a:t>2026/2/5</a:t>
             </a:fld>
             <a:endParaRPr kumimoji="1" lang="ja-JP" altLang="en-US"/>
           </a:p>
@@ -3199,7 +3199,7 @@
           <a:p>
             <a:fld id="{470CE0AF-FDD9-428B-9B6C-89E4A49222C7}" type="datetimeFigureOut">
               <a:rPr kumimoji="1" lang="ja-JP" altLang="en-US" smtClean="0"/>
-              <a:t>2026/2/4</a:t>
+              <a:t>2026/2/5</a:t>
             </a:fld>
             <a:endParaRPr kumimoji="1" lang="ja-JP" altLang="en-US"/>
           </a:p>
@@ -3702,7 +3702,7 @@
         </p:nvSpPr>
         <p:spPr>
           <a:xfrm>
-            <a:off x="465219" y="1925780"/>
+            <a:off x="465221" y="2246414"/>
             <a:ext cx="5955476" cy="369332"/>
           </a:xfrm>
           <a:prstGeom prst="rect">
@@ -3737,7 +3737,7 @@
         </p:nvSpPr>
         <p:spPr>
           <a:xfrm>
-            <a:off x="467146" y="2285092"/>
+            <a:off x="467146" y="2615746"/>
             <a:ext cx="5035295" cy="369332"/>
           </a:xfrm>
           <a:prstGeom prst="rect">
@@ -3857,6 +3857,57 @@
               <a:t>2…)</a:t>
             </a:r>
             <a:endParaRPr kumimoji="1" lang="ja-JP" altLang="en-US" dirty="0"/>
+          </a:p>
+        </p:txBody>
+      </p:sp>
+      <p:sp>
+        <p:nvSpPr>
+          <p:cNvPr id="2" name="テキスト ボックス 1">
+            <a:extLst>
+              <a:ext uri="{FF2B5EF4-FFF2-40B4-BE49-F238E27FC236}">
+                <a16:creationId xmlns:a16="http://schemas.microsoft.com/office/drawing/2014/main" id="{BB5D692F-8C0A-47F8-A837-178BAB4E6781}"/>
+              </a:ext>
+            </a:extLst>
+          </p:cNvPr>
+          <p:cNvSpPr txBox="1"/>
+          <p:nvPr/>
+        </p:nvSpPr>
+        <p:spPr>
+          <a:xfrm>
+            <a:off x="467146" y="1882092"/>
+            <a:ext cx="5035295" cy="369332"/>
+          </a:xfrm>
+          <a:prstGeom prst="rect">
+            <a:avLst/>
+          </a:prstGeom>
+          <a:noFill/>
+        </p:spPr>
+        <p:txBody>
+          <a:bodyPr wrap="square" rtlCol="0">
+            <a:spAutoFit/>
+          </a:bodyPr>
+          <a:lstStyle/>
+          <a:p>
+            <a:r>
+              <a:rPr kumimoji="1" lang="ja-JP" altLang="en-US" dirty="0"/>
+              <a:t>・</a:t>
+            </a:r>
+            <a:r>
+              <a:rPr kumimoji="1" lang="en-US" altLang="ja-JP" dirty="0"/>
+              <a:t>1</a:t>
+            </a:r>
+            <a:r>
+              <a:rPr kumimoji="1" lang="ja-JP" altLang="en-US" dirty="0"/>
+              <a:t>ステージにつき残機は</a:t>
+            </a:r>
+            <a:r>
+              <a:rPr kumimoji="1" lang="en-US" altLang="ja-JP" dirty="0"/>
+              <a:t>3</a:t>
+            </a:r>
+            <a:r>
+              <a:rPr kumimoji="1" lang="ja-JP" altLang="en-US" dirty="0"/>
+              <a:t>つ</a:t>
+            </a:r>
           </a:p>
         </p:txBody>
       </p:sp>

--- a/仕様書/ゲームルール.pptx
+++ b/仕様書/ゲームルール.pptx
@@ -261,7 +261,7 @@
           <a:p>
             <a:fld id="{470CE0AF-FDD9-428B-9B6C-89E4A49222C7}" type="datetimeFigureOut">
               <a:rPr kumimoji="1" lang="ja-JP" altLang="en-US" smtClean="0"/>
-              <a:t>2026/2/5</a:t>
+              <a:t>2026/2/6</a:t>
             </a:fld>
             <a:endParaRPr kumimoji="1" lang="ja-JP" altLang="en-US"/>
           </a:p>
@@ -491,7 +491,7 @@
           <a:p>
             <a:fld id="{470CE0AF-FDD9-428B-9B6C-89E4A49222C7}" type="datetimeFigureOut">
               <a:rPr kumimoji="1" lang="ja-JP" altLang="en-US" smtClean="0"/>
-              <a:t>2026/2/5</a:t>
+              <a:t>2026/2/6</a:t>
             </a:fld>
             <a:endParaRPr kumimoji="1" lang="ja-JP" altLang="en-US"/>
           </a:p>
@@ -731,7 +731,7 @@
           <a:p>
             <a:fld id="{470CE0AF-FDD9-428B-9B6C-89E4A49222C7}" type="datetimeFigureOut">
               <a:rPr kumimoji="1" lang="ja-JP" altLang="en-US" smtClean="0"/>
-              <a:t>2026/2/5</a:t>
+              <a:t>2026/2/6</a:t>
             </a:fld>
             <a:endParaRPr kumimoji="1" lang="ja-JP" altLang="en-US"/>
           </a:p>
@@ -961,7 +961,7 @@
           <a:p>
             <a:fld id="{470CE0AF-FDD9-428B-9B6C-89E4A49222C7}" type="datetimeFigureOut">
               <a:rPr kumimoji="1" lang="ja-JP" altLang="en-US" smtClean="0"/>
-              <a:t>2026/2/5</a:t>
+              <a:t>2026/2/6</a:t>
             </a:fld>
             <a:endParaRPr kumimoji="1" lang="ja-JP" altLang="en-US"/>
           </a:p>
@@ -1236,7 +1236,7 @@
           <a:p>
             <a:fld id="{470CE0AF-FDD9-428B-9B6C-89E4A49222C7}" type="datetimeFigureOut">
               <a:rPr kumimoji="1" lang="ja-JP" altLang="en-US" smtClean="0"/>
-              <a:t>2026/2/5</a:t>
+              <a:t>2026/2/6</a:t>
             </a:fld>
             <a:endParaRPr kumimoji="1" lang="ja-JP" altLang="en-US"/>
           </a:p>
@@ -1565,7 +1565,7 @@
           <a:p>
             <a:fld id="{470CE0AF-FDD9-428B-9B6C-89E4A49222C7}" type="datetimeFigureOut">
               <a:rPr kumimoji="1" lang="ja-JP" altLang="en-US" smtClean="0"/>
-              <a:t>2026/2/5</a:t>
+              <a:t>2026/2/6</a:t>
             </a:fld>
             <a:endParaRPr kumimoji="1" lang="ja-JP" altLang="en-US"/>
           </a:p>
@@ -2041,7 +2041,7 @@
           <a:p>
             <a:fld id="{470CE0AF-FDD9-428B-9B6C-89E4A49222C7}" type="datetimeFigureOut">
               <a:rPr kumimoji="1" lang="ja-JP" altLang="en-US" smtClean="0"/>
-              <a:t>2026/2/5</a:t>
+              <a:t>2026/2/6</a:t>
             </a:fld>
             <a:endParaRPr kumimoji="1" lang="ja-JP" altLang="en-US"/>
           </a:p>
@@ -2182,7 +2182,7 @@
           <a:p>
             <a:fld id="{470CE0AF-FDD9-428B-9B6C-89E4A49222C7}" type="datetimeFigureOut">
               <a:rPr kumimoji="1" lang="ja-JP" altLang="en-US" smtClean="0"/>
-              <a:t>2026/2/5</a:t>
+              <a:t>2026/2/6</a:t>
             </a:fld>
             <a:endParaRPr kumimoji="1" lang="ja-JP" altLang="en-US"/>
           </a:p>
@@ -2295,7 +2295,7 @@
           <a:p>
             <a:fld id="{470CE0AF-FDD9-428B-9B6C-89E4A49222C7}" type="datetimeFigureOut">
               <a:rPr kumimoji="1" lang="ja-JP" altLang="en-US" smtClean="0"/>
-              <a:t>2026/2/5</a:t>
+              <a:t>2026/2/6</a:t>
             </a:fld>
             <a:endParaRPr kumimoji="1" lang="ja-JP" altLang="en-US"/>
           </a:p>
@@ -2638,7 +2638,7 @@
           <a:p>
             <a:fld id="{470CE0AF-FDD9-428B-9B6C-89E4A49222C7}" type="datetimeFigureOut">
               <a:rPr kumimoji="1" lang="ja-JP" altLang="en-US" smtClean="0"/>
-              <a:t>2026/2/5</a:t>
+              <a:t>2026/2/6</a:t>
             </a:fld>
             <a:endParaRPr kumimoji="1" lang="ja-JP" altLang="en-US"/>
           </a:p>
@@ -2926,7 +2926,7 @@
           <a:p>
             <a:fld id="{470CE0AF-FDD9-428B-9B6C-89E4A49222C7}" type="datetimeFigureOut">
               <a:rPr kumimoji="1" lang="ja-JP" altLang="en-US" smtClean="0"/>
-              <a:t>2026/2/5</a:t>
+              <a:t>2026/2/6</a:t>
             </a:fld>
             <a:endParaRPr kumimoji="1" lang="ja-JP" altLang="en-US"/>
           </a:p>
@@ -3199,7 +3199,7 @@
           <a:p>
             <a:fld id="{470CE0AF-FDD9-428B-9B6C-89E4A49222C7}" type="datetimeFigureOut">
               <a:rPr kumimoji="1" lang="ja-JP" altLang="en-US" smtClean="0"/>
-              <a:t>2026/2/5</a:t>
+              <a:t>2026/2/6</a:t>
             </a:fld>
             <a:endParaRPr kumimoji="1" lang="ja-JP" altLang="en-US"/>
           </a:p>
@@ -3702,8 +3702,8 @@
         </p:nvSpPr>
         <p:spPr>
           <a:xfrm>
-            <a:off x="465221" y="2246414"/>
-            <a:ext cx="5955476" cy="369332"/>
+            <a:off x="463295" y="2467888"/>
+            <a:ext cx="7596951" cy="369332"/>
           </a:xfrm>
           <a:prstGeom prst="rect">
             <a:avLst/>
@@ -3718,8 +3718,29 @@
           <a:p>
             <a:r>
               <a:rPr kumimoji="1" lang="ja-JP" altLang="en-US" dirty="0"/>
-              <a:t>・一度でもダメージを受けるとチェックポイントに戻る</a:t>
-            </a:r>
+              <a:t>・</a:t>
+            </a:r>
+            <a:r>
+              <a:rPr lang="ja-JP" altLang="en-US" sz="1800" dirty="0"/>
+              <a:t>残機が</a:t>
+            </a:r>
+            <a:r>
+              <a:rPr lang="en-US" altLang="ja-JP" sz="1800" dirty="0"/>
+              <a:t>0</a:t>
+            </a:r>
+            <a:r>
+              <a:rPr lang="ja-JP" altLang="en-US" sz="1800" dirty="0"/>
+              <a:t>になるとゲームオーバーになりステージ</a:t>
+            </a:r>
+            <a:r>
+              <a:rPr lang="en-US" altLang="ja-JP" sz="1800" dirty="0"/>
+              <a:t>1</a:t>
+            </a:r>
+            <a:r>
+              <a:rPr lang="ja-JP" altLang="en-US" sz="1800" dirty="0"/>
+              <a:t>からやり直しになる</a:t>
+            </a:r>
+            <a:endParaRPr kumimoji="1" lang="ja-JP" altLang="en-US" dirty="0"/>
           </a:p>
         </p:txBody>
       </p:sp>
@@ -3737,7 +3758,7 @@
         </p:nvSpPr>
         <p:spPr>
           <a:xfrm>
-            <a:off x="467146" y="2615746"/>
+            <a:off x="465220" y="2837220"/>
             <a:ext cx="5035295" cy="369332"/>
           </a:xfrm>
           <a:prstGeom prst="rect">
@@ -3875,7 +3896,7 @@
         <p:spPr>
           <a:xfrm>
             <a:off x="467146" y="1882092"/>
-            <a:ext cx="5035295" cy="369332"/>
+            <a:ext cx="7449633" cy="646331"/>
           </a:xfrm>
           <a:prstGeom prst="rect">
             <a:avLst/>
@@ -3908,6 +3929,25 @@
               <a:rPr kumimoji="1" lang="ja-JP" altLang="en-US" dirty="0"/>
               <a:t>つ</a:t>
             </a:r>
+            <a:r>
+              <a:rPr kumimoji="1" lang="en-US" altLang="ja-JP" dirty="0"/>
+              <a:t>(</a:t>
+            </a:r>
+            <a:r>
+              <a:rPr kumimoji="1" lang="ja-JP" altLang="en-US" dirty="0"/>
+              <a:t>増える可能性アリ</a:t>
+            </a:r>
+            <a:r>
+              <a:rPr kumimoji="1" lang="en-US" altLang="ja-JP" dirty="0"/>
+              <a:t>)</a:t>
+            </a:r>
+          </a:p>
+          <a:p>
+            <a:r>
+              <a:rPr lang="ja-JP" altLang="en-US" dirty="0"/>
+              <a:t>・次のステージに進んでも減った残機は維持される</a:t>
+            </a:r>
+            <a:endParaRPr kumimoji="1" lang="ja-JP" altLang="en-US" dirty="0"/>
           </a:p>
         </p:txBody>
       </p:sp>

--- a/仕様書/ゲームルール.pptx
+++ b/仕様書/ゲームルール.pptx
@@ -261,7 +261,7 @@
           <a:p>
             <a:fld id="{470CE0AF-FDD9-428B-9B6C-89E4A49222C7}" type="datetimeFigureOut">
               <a:rPr kumimoji="1" lang="ja-JP" altLang="en-US" smtClean="0"/>
-              <a:t>2026/2/6</a:t>
+              <a:t>2026/2/9</a:t>
             </a:fld>
             <a:endParaRPr kumimoji="1" lang="ja-JP" altLang="en-US"/>
           </a:p>
@@ -491,7 +491,7 @@
           <a:p>
             <a:fld id="{470CE0AF-FDD9-428B-9B6C-89E4A49222C7}" type="datetimeFigureOut">
               <a:rPr kumimoji="1" lang="ja-JP" altLang="en-US" smtClean="0"/>
-              <a:t>2026/2/6</a:t>
+              <a:t>2026/2/9</a:t>
             </a:fld>
             <a:endParaRPr kumimoji="1" lang="ja-JP" altLang="en-US"/>
           </a:p>
@@ -731,7 +731,7 @@
           <a:p>
             <a:fld id="{470CE0AF-FDD9-428B-9B6C-89E4A49222C7}" type="datetimeFigureOut">
               <a:rPr kumimoji="1" lang="ja-JP" altLang="en-US" smtClean="0"/>
-              <a:t>2026/2/6</a:t>
+              <a:t>2026/2/9</a:t>
             </a:fld>
             <a:endParaRPr kumimoji="1" lang="ja-JP" altLang="en-US"/>
           </a:p>
@@ -961,7 +961,7 @@
           <a:p>
             <a:fld id="{470CE0AF-FDD9-428B-9B6C-89E4A49222C7}" type="datetimeFigureOut">
               <a:rPr kumimoji="1" lang="ja-JP" altLang="en-US" smtClean="0"/>
-              <a:t>2026/2/6</a:t>
+              <a:t>2026/2/9</a:t>
             </a:fld>
             <a:endParaRPr kumimoji="1" lang="ja-JP" altLang="en-US"/>
           </a:p>
@@ -1236,7 +1236,7 @@
           <a:p>
             <a:fld id="{470CE0AF-FDD9-428B-9B6C-89E4A49222C7}" type="datetimeFigureOut">
               <a:rPr kumimoji="1" lang="ja-JP" altLang="en-US" smtClean="0"/>
-              <a:t>2026/2/6</a:t>
+              <a:t>2026/2/9</a:t>
             </a:fld>
             <a:endParaRPr kumimoji="1" lang="ja-JP" altLang="en-US"/>
           </a:p>
@@ -1565,7 +1565,7 @@
           <a:p>
             <a:fld id="{470CE0AF-FDD9-428B-9B6C-89E4A49222C7}" type="datetimeFigureOut">
               <a:rPr kumimoji="1" lang="ja-JP" altLang="en-US" smtClean="0"/>
-              <a:t>2026/2/6</a:t>
+              <a:t>2026/2/9</a:t>
             </a:fld>
             <a:endParaRPr kumimoji="1" lang="ja-JP" altLang="en-US"/>
           </a:p>
@@ -2041,7 +2041,7 @@
           <a:p>
             <a:fld id="{470CE0AF-FDD9-428B-9B6C-89E4A49222C7}" type="datetimeFigureOut">
               <a:rPr kumimoji="1" lang="ja-JP" altLang="en-US" smtClean="0"/>
-              <a:t>2026/2/6</a:t>
+              <a:t>2026/2/9</a:t>
             </a:fld>
             <a:endParaRPr kumimoji="1" lang="ja-JP" altLang="en-US"/>
           </a:p>
@@ -2182,7 +2182,7 @@
           <a:p>
             <a:fld id="{470CE0AF-FDD9-428B-9B6C-89E4A49222C7}" type="datetimeFigureOut">
               <a:rPr kumimoji="1" lang="ja-JP" altLang="en-US" smtClean="0"/>
-              <a:t>2026/2/6</a:t>
+              <a:t>2026/2/9</a:t>
             </a:fld>
             <a:endParaRPr kumimoji="1" lang="ja-JP" altLang="en-US"/>
           </a:p>
@@ -2295,7 +2295,7 @@
           <a:p>
             <a:fld id="{470CE0AF-FDD9-428B-9B6C-89E4A49222C7}" type="datetimeFigureOut">
               <a:rPr kumimoji="1" lang="ja-JP" altLang="en-US" smtClean="0"/>
-              <a:t>2026/2/6</a:t>
+              <a:t>2026/2/9</a:t>
             </a:fld>
             <a:endParaRPr kumimoji="1" lang="ja-JP" altLang="en-US"/>
           </a:p>
@@ -2638,7 +2638,7 @@
           <a:p>
             <a:fld id="{470CE0AF-FDD9-428B-9B6C-89E4A49222C7}" type="datetimeFigureOut">
               <a:rPr kumimoji="1" lang="ja-JP" altLang="en-US" smtClean="0"/>
-              <a:t>2026/2/6</a:t>
+              <a:t>2026/2/9</a:t>
             </a:fld>
             <a:endParaRPr kumimoji="1" lang="ja-JP" altLang="en-US"/>
           </a:p>
@@ -2926,7 +2926,7 @@
           <a:p>
             <a:fld id="{470CE0AF-FDD9-428B-9B6C-89E4A49222C7}" type="datetimeFigureOut">
               <a:rPr kumimoji="1" lang="ja-JP" altLang="en-US" smtClean="0"/>
-              <a:t>2026/2/6</a:t>
+              <a:t>2026/2/9</a:t>
             </a:fld>
             <a:endParaRPr kumimoji="1" lang="ja-JP" altLang="en-US"/>
           </a:p>
@@ -3199,7 +3199,7 @@
           <a:p>
             <a:fld id="{470CE0AF-FDD9-428B-9B6C-89E4A49222C7}" type="datetimeFigureOut">
               <a:rPr kumimoji="1" lang="ja-JP" altLang="en-US" smtClean="0"/>
-              <a:t>2026/2/6</a:t>
+              <a:t>2026/2/9</a:t>
             </a:fld>
             <a:endParaRPr kumimoji="1" lang="ja-JP" altLang="en-US"/>
           </a:p>
@@ -3654,10 +3654,10 @@
       </p:sp>
       <p:sp>
         <p:nvSpPr>
-          <p:cNvPr id="5" name="テキスト ボックス 4">
-            <a:extLst>
-              <a:ext uri="{FF2B5EF4-FFF2-40B4-BE49-F238E27FC236}">
-                <a16:creationId xmlns:a16="http://schemas.microsoft.com/office/drawing/2014/main" id="{7EC7DCED-6758-4647-B902-FD199D742EB5}"/>
+          <p:cNvPr id="9" name="テキスト ボックス 8">
+            <a:extLst>
+              <a:ext uri="{FF2B5EF4-FFF2-40B4-BE49-F238E27FC236}">
+                <a16:creationId xmlns:a16="http://schemas.microsoft.com/office/drawing/2014/main" id="{08098D76-4D26-4AD0-9733-F691AD7586FB}"/>
               </a:ext>
             </a:extLst>
           </p:cNvPr>
@@ -3666,8 +3666,8 @@
         </p:nvSpPr>
         <p:spPr>
           <a:xfrm>
-            <a:off x="465221" y="1187116"/>
-            <a:ext cx="5955476" cy="369332"/>
+            <a:off x="929209" y="1004502"/>
+            <a:ext cx="8663970" cy="2031325"/>
           </a:xfrm>
           <a:prstGeom prst="rect">
             <a:avLst/>
@@ -3675,98 +3675,6 @@
           <a:noFill/>
         </p:spPr>
         <p:txBody>
-          <a:bodyPr wrap="none" rtlCol="0">
-            <a:spAutoFit/>
-          </a:bodyPr>
-          <a:lstStyle/>
-          <a:p>
-            <a:r>
-              <a:rPr lang="ja-JP" altLang="en-US" dirty="0"/>
-              <a:t>・青状態と赤状態は常に自由に切り替えることができる</a:t>
-            </a:r>
-            <a:endParaRPr lang="en-US" altLang="ja-JP" dirty="0"/>
-          </a:p>
-        </p:txBody>
-      </p:sp>
-      <p:sp>
-        <p:nvSpPr>
-          <p:cNvPr id="6" name="テキスト ボックス 5">
-            <a:extLst>
-              <a:ext uri="{FF2B5EF4-FFF2-40B4-BE49-F238E27FC236}">
-                <a16:creationId xmlns:a16="http://schemas.microsoft.com/office/drawing/2014/main" id="{8838E252-9699-4A37-8898-FB19CC996914}"/>
-              </a:ext>
-            </a:extLst>
-          </p:cNvPr>
-          <p:cNvSpPr txBox="1"/>
-          <p:nvPr/>
-        </p:nvSpPr>
-        <p:spPr>
-          <a:xfrm>
-            <a:off x="463295" y="2467888"/>
-            <a:ext cx="7596951" cy="369332"/>
-          </a:xfrm>
-          <a:prstGeom prst="rect">
-            <a:avLst/>
-          </a:prstGeom>
-          <a:noFill/>
-        </p:spPr>
-        <p:txBody>
-          <a:bodyPr wrap="none" rtlCol="0">
-            <a:spAutoFit/>
-          </a:bodyPr>
-          <a:lstStyle/>
-          <a:p>
-            <a:r>
-              <a:rPr kumimoji="1" lang="ja-JP" altLang="en-US" dirty="0"/>
-              <a:t>・</a:t>
-            </a:r>
-            <a:r>
-              <a:rPr lang="ja-JP" altLang="en-US" sz="1800" dirty="0"/>
-              <a:t>残機が</a:t>
-            </a:r>
-            <a:r>
-              <a:rPr lang="en-US" altLang="ja-JP" sz="1800" dirty="0"/>
-              <a:t>0</a:t>
-            </a:r>
-            <a:r>
-              <a:rPr lang="ja-JP" altLang="en-US" sz="1800" dirty="0"/>
-              <a:t>になるとゲームオーバーになりステージ</a:t>
-            </a:r>
-            <a:r>
-              <a:rPr lang="en-US" altLang="ja-JP" sz="1800" dirty="0"/>
-              <a:t>1</a:t>
-            </a:r>
-            <a:r>
-              <a:rPr lang="ja-JP" altLang="en-US" sz="1800" dirty="0"/>
-              <a:t>からやり直しになる</a:t>
-            </a:r>
-            <a:endParaRPr kumimoji="1" lang="ja-JP" altLang="en-US" dirty="0"/>
-          </a:p>
-        </p:txBody>
-      </p:sp>
-      <p:sp>
-        <p:nvSpPr>
-          <p:cNvPr id="8" name="テキスト ボックス 7">
-            <a:extLst>
-              <a:ext uri="{FF2B5EF4-FFF2-40B4-BE49-F238E27FC236}">
-                <a16:creationId xmlns:a16="http://schemas.microsoft.com/office/drawing/2014/main" id="{CB13C5B9-8720-4B39-95DA-E0FF31D89D93}"/>
-              </a:ext>
-            </a:extLst>
-          </p:cNvPr>
-          <p:cNvSpPr txBox="1"/>
-          <p:nvPr/>
-        </p:nvSpPr>
-        <p:spPr>
-          <a:xfrm>
-            <a:off x="465220" y="2837220"/>
-            <a:ext cx="5035295" cy="369332"/>
-          </a:xfrm>
-          <a:prstGeom prst="rect">
-            <a:avLst/>
-          </a:prstGeom>
-          <a:noFill/>
-        </p:spPr>
-        <p:txBody>
           <a:bodyPr wrap="square">
             <a:spAutoFit/>
           </a:bodyPr>
@@ -3774,43 +3682,99 @@
           <a:p>
             <a:r>
               <a:rPr lang="ja-JP" altLang="en-US" dirty="0"/>
-              <a:t>・ゴールにたどり着いたら次のステージに行く</a:t>
-            </a:r>
-          </a:p>
-        </p:txBody>
-      </p:sp>
-      <p:sp>
-        <p:nvSpPr>
-          <p:cNvPr id="9" name="テキスト ボックス 8">
-            <a:extLst>
-              <a:ext uri="{FF2B5EF4-FFF2-40B4-BE49-F238E27FC236}">
-                <a16:creationId xmlns:a16="http://schemas.microsoft.com/office/drawing/2014/main" id="{08098D76-4D26-4AD0-9733-F691AD7586FB}"/>
-              </a:ext>
-            </a:extLst>
-          </p:cNvPr>
-          <p:cNvSpPr txBox="1"/>
-          <p:nvPr/>
-        </p:nvSpPr>
-        <p:spPr>
-          <a:xfrm>
-            <a:off x="465220" y="1551438"/>
-            <a:ext cx="7523747" cy="369332"/>
-          </a:xfrm>
-          <a:prstGeom prst="rect">
-            <a:avLst/>
-          </a:prstGeom>
-          <a:noFill/>
-        </p:spPr>
-        <p:txBody>
-          <a:bodyPr wrap="square">
-            <a:spAutoFit/>
-          </a:bodyPr>
-          <a:lstStyle/>
+              <a:t>・青状態と赤状態は常に自由に切り替えることができる</a:t>
+            </a:r>
+            <a:endParaRPr lang="en-US" altLang="ja-JP" dirty="0"/>
+          </a:p>
           <a:p>
             <a:r>
               <a:rPr lang="ja-JP" altLang="en-US" dirty="0"/>
               <a:t>・黄色の敵を倒すことで黄色状態になることができるようになる</a:t>
             </a:r>
+            <a:endParaRPr lang="en-US" altLang="ja-JP" dirty="0"/>
+          </a:p>
+          <a:p>
+            <a:r>
+              <a:rPr lang="ja-JP" altLang="en-US" dirty="0"/>
+              <a:t>・</a:t>
+            </a:r>
+            <a:r>
+              <a:rPr lang="en-US" altLang="ja-JP" dirty="0"/>
+              <a:t>1</a:t>
+            </a:r>
+            <a:r>
+              <a:rPr lang="ja-JP" altLang="en-US" dirty="0"/>
+              <a:t>ステージに進んでも減った残機は維持される</a:t>
+            </a:r>
+            <a:endParaRPr lang="en-US" altLang="ja-JP" dirty="0"/>
+          </a:p>
+          <a:p>
+            <a:r>
+              <a:rPr lang="ja-JP" altLang="en-US" dirty="0"/>
+              <a:t>・次のステージに進んでも減った残機は変わらず維持される</a:t>
+            </a:r>
+            <a:endParaRPr lang="en-US" altLang="ja-JP" dirty="0"/>
+          </a:p>
+          <a:p>
+            <a:r>
+              <a:rPr lang="ja-JP" altLang="en-US" dirty="0"/>
+              <a:t>・残機が</a:t>
+            </a:r>
+            <a:r>
+              <a:rPr lang="en-US" altLang="ja-JP" dirty="0"/>
+              <a:t>0</a:t>
+            </a:r>
+            <a:r>
+              <a:rPr lang="ja-JP" altLang="en-US" dirty="0"/>
+              <a:t>になるとゲームオーバーになり、ステージ</a:t>
+            </a:r>
+            <a:r>
+              <a:rPr lang="en-US" altLang="ja-JP" dirty="0"/>
+              <a:t>1</a:t>
+            </a:r>
+            <a:r>
+              <a:rPr lang="ja-JP" altLang="en-US" dirty="0"/>
+              <a:t>からやり直しになる</a:t>
+            </a:r>
+            <a:endParaRPr lang="en-US" altLang="ja-JP" dirty="0"/>
+          </a:p>
+          <a:p>
+            <a:r>
+              <a:rPr lang="ja-JP" altLang="en-US" dirty="0"/>
+              <a:t>・敵を倒すことでスコアを獲得し、一定スコア</a:t>
+            </a:r>
+            <a:r>
+              <a:rPr lang="en-US" altLang="ja-JP" dirty="0"/>
+              <a:t>(1000</a:t>
+            </a:r>
+            <a:r>
+              <a:rPr lang="ja-JP" altLang="en-US" dirty="0"/>
+              <a:t>予定</a:t>
+            </a:r>
+            <a:r>
+              <a:rPr lang="en-US" altLang="ja-JP" dirty="0"/>
+              <a:t>)</a:t>
+            </a:r>
+            <a:r>
+              <a:rPr lang="ja-JP" altLang="en-US" dirty="0"/>
+              <a:t>に達すると残機を</a:t>
+            </a:r>
+            <a:r>
+              <a:rPr lang="en-US" altLang="ja-JP" dirty="0"/>
+              <a:t>1</a:t>
+            </a:r>
+            <a:r>
+              <a:rPr lang="ja-JP" altLang="en-US" dirty="0"/>
+              <a:t>追加</a:t>
+            </a:r>
+            <a:endParaRPr lang="en-US" altLang="ja-JP" dirty="0"/>
+          </a:p>
+          <a:p>
+            <a:r>
+              <a:rPr lang="ja-JP" altLang="en-US" dirty="0"/>
+              <a:t>・ゴールについたらそのまま次のステージが開始</a:t>
+            </a:r>
+            <a:endParaRPr lang="en-US" altLang="ja-JP" dirty="0"/>
           </a:p>
         </p:txBody>
       </p:sp>
@@ -3876,76 +3840,6 @@
             <a:r>
               <a:rPr kumimoji="1" lang="en-US" altLang="ja-JP" dirty="0"/>
               <a:t>2…)</a:t>
-            </a:r>
-            <a:endParaRPr kumimoji="1" lang="ja-JP" altLang="en-US" dirty="0"/>
-          </a:p>
-        </p:txBody>
-      </p:sp>
-      <p:sp>
-        <p:nvSpPr>
-          <p:cNvPr id="2" name="テキスト ボックス 1">
-            <a:extLst>
-              <a:ext uri="{FF2B5EF4-FFF2-40B4-BE49-F238E27FC236}">
-                <a16:creationId xmlns:a16="http://schemas.microsoft.com/office/drawing/2014/main" id="{BB5D692F-8C0A-47F8-A837-178BAB4E6781}"/>
-              </a:ext>
-            </a:extLst>
-          </p:cNvPr>
-          <p:cNvSpPr txBox="1"/>
-          <p:nvPr/>
-        </p:nvSpPr>
-        <p:spPr>
-          <a:xfrm>
-            <a:off x="467146" y="1882092"/>
-            <a:ext cx="7449633" cy="646331"/>
-          </a:xfrm>
-          <a:prstGeom prst="rect">
-            <a:avLst/>
-          </a:prstGeom>
-          <a:noFill/>
-        </p:spPr>
-        <p:txBody>
-          <a:bodyPr wrap="square" rtlCol="0">
-            <a:spAutoFit/>
-          </a:bodyPr>
-          <a:lstStyle/>
-          <a:p>
-            <a:r>
-              <a:rPr kumimoji="1" lang="ja-JP" altLang="en-US" dirty="0"/>
-              <a:t>・</a:t>
-            </a:r>
-            <a:r>
-              <a:rPr kumimoji="1" lang="en-US" altLang="ja-JP" dirty="0"/>
-              <a:t>1</a:t>
-            </a:r>
-            <a:r>
-              <a:rPr kumimoji="1" lang="ja-JP" altLang="en-US" dirty="0"/>
-              <a:t>ステージにつき残機は</a:t>
-            </a:r>
-            <a:r>
-              <a:rPr kumimoji="1" lang="en-US" altLang="ja-JP" dirty="0"/>
-              <a:t>3</a:t>
-            </a:r>
-            <a:r>
-              <a:rPr kumimoji="1" lang="ja-JP" altLang="en-US" dirty="0"/>
-              <a:t>つ</a:t>
-            </a:r>
-            <a:r>
-              <a:rPr kumimoji="1" lang="en-US" altLang="ja-JP" dirty="0"/>
-              <a:t>(</a:t>
-            </a:r>
-            <a:r>
-              <a:rPr kumimoji="1" lang="ja-JP" altLang="en-US" dirty="0"/>
-              <a:t>増える可能性アリ</a:t>
-            </a:r>
-            <a:r>
-              <a:rPr kumimoji="1" lang="en-US" altLang="ja-JP" dirty="0"/>
-              <a:t>)</a:t>
-            </a:r>
-          </a:p>
-          <a:p>
-            <a:r>
-              <a:rPr lang="ja-JP" altLang="en-US" dirty="0"/>
-              <a:t>・次のステージに進んでも減った残機は維持される</a:t>
             </a:r>
             <a:endParaRPr kumimoji="1" lang="ja-JP" altLang="en-US" dirty="0"/>
           </a:p>
@@ -4371,7 +4265,7 @@
         <p:spPr>
           <a:xfrm>
             <a:off x="617621" y="818147"/>
-            <a:ext cx="6186309" cy="369332"/>
+            <a:ext cx="10341293" cy="646331"/>
           </a:xfrm>
           <a:prstGeom prst="rect">
             <a:avLst/>
@@ -4388,49 +4282,14 @@
               <a:rPr kumimoji="1" lang="ja-JP" altLang="en-US" dirty="0"/>
               <a:t>・モード切替画面を押すと敵・プレイヤーの動きが止まる</a:t>
             </a:r>
-          </a:p>
-        </p:txBody>
-      </p:sp>
-      <p:sp>
-        <p:nvSpPr>
-          <p:cNvPr id="7" name="テキスト ボックス 6">
-            <a:extLst>
-              <a:ext uri="{FF2B5EF4-FFF2-40B4-BE49-F238E27FC236}">
-                <a16:creationId xmlns:a16="http://schemas.microsoft.com/office/drawing/2014/main" id="{2AC2D322-A941-4DA2-8875-1A2E37DE8F54}"/>
-              </a:ext>
-            </a:extLst>
-          </p:cNvPr>
-          <p:cNvSpPr txBox="1"/>
-          <p:nvPr/>
-        </p:nvSpPr>
-        <p:spPr>
-          <a:xfrm>
-            <a:off x="617621" y="1170709"/>
-            <a:ext cx="10341293" cy="369332"/>
-          </a:xfrm>
-          <a:prstGeom prst="rect">
-            <a:avLst/>
-          </a:prstGeom>
-          <a:noFill/>
-        </p:spPr>
-        <p:txBody>
-          <a:bodyPr wrap="none" rtlCol="0">
-            <a:spAutoFit/>
-          </a:bodyPr>
-          <a:lstStyle/>
-          <a:p>
-            <a:r>
-              <a:rPr kumimoji="1" lang="ja-JP" altLang="en-US" dirty="0"/>
-              <a:t>・</a:t>
-            </a:r>
+            <a:endParaRPr kumimoji="1" lang="en-US" altLang="ja-JP" dirty="0"/>
+          </a:p>
+          <a:p>
             <a:r>
               <a:rPr lang="ja-JP" altLang="en-US" dirty="0"/>
-              <a:t>カーソル</a:t>
-            </a:r>
-            <a:r>
-              <a:rPr kumimoji="1" lang="ja-JP" altLang="en-US" dirty="0"/>
-              <a:t>キーで使用する強化状態を選択、決定キーを押した瞬間に敵・プレイヤーが動き始める</a:t>
-            </a:r>
+              <a:t>・カーソルキーで使用する強化状態を選択、決定キーを押した瞬間に敵・プレイヤーが動き始める</a:t>
+            </a:r>
+            <a:endParaRPr kumimoji="1" lang="ja-JP" altLang="en-US" dirty="0"/>
           </a:p>
         </p:txBody>
       </p:sp>

--- a/仕様書/ゲームルール.pptx
+++ b/仕様書/ゲームルール.pptx
@@ -261,7 +261,7 @@
           <a:p>
             <a:fld id="{470CE0AF-FDD9-428B-9B6C-89E4A49222C7}" type="datetimeFigureOut">
               <a:rPr kumimoji="1" lang="ja-JP" altLang="en-US" smtClean="0"/>
-              <a:t>2026/2/9</a:t>
+              <a:t>2026/2/10</a:t>
             </a:fld>
             <a:endParaRPr kumimoji="1" lang="ja-JP" altLang="en-US"/>
           </a:p>
@@ -491,7 +491,7 @@
           <a:p>
             <a:fld id="{470CE0AF-FDD9-428B-9B6C-89E4A49222C7}" type="datetimeFigureOut">
               <a:rPr kumimoji="1" lang="ja-JP" altLang="en-US" smtClean="0"/>
-              <a:t>2026/2/9</a:t>
+              <a:t>2026/2/10</a:t>
             </a:fld>
             <a:endParaRPr kumimoji="1" lang="ja-JP" altLang="en-US"/>
           </a:p>
@@ -731,7 +731,7 @@
           <a:p>
             <a:fld id="{470CE0AF-FDD9-428B-9B6C-89E4A49222C7}" type="datetimeFigureOut">
               <a:rPr kumimoji="1" lang="ja-JP" altLang="en-US" smtClean="0"/>
-              <a:t>2026/2/9</a:t>
+              <a:t>2026/2/10</a:t>
             </a:fld>
             <a:endParaRPr kumimoji="1" lang="ja-JP" altLang="en-US"/>
           </a:p>
@@ -961,7 +961,7 @@
           <a:p>
             <a:fld id="{470CE0AF-FDD9-428B-9B6C-89E4A49222C7}" type="datetimeFigureOut">
               <a:rPr kumimoji="1" lang="ja-JP" altLang="en-US" smtClean="0"/>
-              <a:t>2026/2/9</a:t>
+              <a:t>2026/2/10</a:t>
             </a:fld>
             <a:endParaRPr kumimoji="1" lang="ja-JP" altLang="en-US"/>
           </a:p>
@@ -1236,7 +1236,7 @@
           <a:p>
             <a:fld id="{470CE0AF-FDD9-428B-9B6C-89E4A49222C7}" type="datetimeFigureOut">
               <a:rPr kumimoji="1" lang="ja-JP" altLang="en-US" smtClean="0"/>
-              <a:t>2026/2/9</a:t>
+              <a:t>2026/2/10</a:t>
             </a:fld>
             <a:endParaRPr kumimoji="1" lang="ja-JP" altLang="en-US"/>
           </a:p>
@@ -1565,7 +1565,7 @@
           <a:p>
             <a:fld id="{470CE0AF-FDD9-428B-9B6C-89E4A49222C7}" type="datetimeFigureOut">
               <a:rPr kumimoji="1" lang="ja-JP" altLang="en-US" smtClean="0"/>
-              <a:t>2026/2/9</a:t>
+              <a:t>2026/2/10</a:t>
             </a:fld>
             <a:endParaRPr kumimoji="1" lang="ja-JP" altLang="en-US"/>
           </a:p>
@@ -2041,7 +2041,7 @@
           <a:p>
             <a:fld id="{470CE0AF-FDD9-428B-9B6C-89E4A49222C7}" type="datetimeFigureOut">
               <a:rPr kumimoji="1" lang="ja-JP" altLang="en-US" smtClean="0"/>
-              <a:t>2026/2/9</a:t>
+              <a:t>2026/2/10</a:t>
             </a:fld>
             <a:endParaRPr kumimoji="1" lang="ja-JP" altLang="en-US"/>
           </a:p>
@@ -2182,7 +2182,7 @@
           <a:p>
             <a:fld id="{470CE0AF-FDD9-428B-9B6C-89E4A49222C7}" type="datetimeFigureOut">
               <a:rPr kumimoji="1" lang="ja-JP" altLang="en-US" smtClean="0"/>
-              <a:t>2026/2/9</a:t>
+              <a:t>2026/2/10</a:t>
             </a:fld>
             <a:endParaRPr kumimoji="1" lang="ja-JP" altLang="en-US"/>
           </a:p>
@@ -2295,7 +2295,7 @@
           <a:p>
             <a:fld id="{470CE0AF-FDD9-428B-9B6C-89E4A49222C7}" type="datetimeFigureOut">
               <a:rPr kumimoji="1" lang="ja-JP" altLang="en-US" smtClean="0"/>
-              <a:t>2026/2/9</a:t>
+              <a:t>2026/2/10</a:t>
             </a:fld>
             <a:endParaRPr kumimoji="1" lang="ja-JP" altLang="en-US"/>
           </a:p>
@@ -2638,7 +2638,7 @@
           <a:p>
             <a:fld id="{470CE0AF-FDD9-428B-9B6C-89E4A49222C7}" type="datetimeFigureOut">
               <a:rPr kumimoji="1" lang="ja-JP" altLang="en-US" smtClean="0"/>
-              <a:t>2026/2/9</a:t>
+              <a:t>2026/2/10</a:t>
             </a:fld>
             <a:endParaRPr kumimoji="1" lang="ja-JP" altLang="en-US"/>
           </a:p>
@@ -2926,7 +2926,7 @@
           <a:p>
             <a:fld id="{470CE0AF-FDD9-428B-9B6C-89E4A49222C7}" type="datetimeFigureOut">
               <a:rPr kumimoji="1" lang="ja-JP" altLang="en-US" smtClean="0"/>
-              <a:t>2026/2/9</a:t>
+              <a:t>2026/2/10</a:t>
             </a:fld>
             <a:endParaRPr kumimoji="1" lang="ja-JP" altLang="en-US"/>
           </a:p>
@@ -3199,7 +3199,7 @@
           <a:p>
             <a:fld id="{470CE0AF-FDD9-428B-9B6C-89E4A49222C7}" type="datetimeFigureOut">
               <a:rPr kumimoji="1" lang="ja-JP" altLang="en-US" smtClean="0"/>
-              <a:t>2026/2/9</a:t>
+              <a:t>2026/2/10</a:t>
             </a:fld>
             <a:endParaRPr kumimoji="1" lang="ja-JP" altLang="en-US"/>
           </a:p>
@@ -3667,7 +3667,7 @@
         <p:spPr>
           <a:xfrm>
             <a:off x="929209" y="1004502"/>
-            <a:ext cx="8663970" cy="2031325"/>
+            <a:ext cx="8841324" cy="2308324"/>
           </a:xfrm>
           <a:prstGeom prst="rect">
             <a:avLst/>
@@ -3745,7 +3745,7 @@
             </a:r>
             <a:r>
               <a:rPr lang="en-US" altLang="ja-JP" dirty="0"/>
-              <a:t>(1000</a:t>
+              <a:t>(5000</a:t>
             </a:r>
             <a:r>
               <a:rPr lang="ja-JP" altLang="en-US" dirty="0"/>
@@ -3768,6 +3768,16 @@
               <a:t>追加</a:t>
             </a:r>
             <a:endParaRPr lang="en-US" altLang="ja-JP" dirty="0"/>
+          </a:p>
+          <a:p>
+            <a:r>
+              <a:rPr lang="ja-JP" altLang="en-US" dirty="0"/>
+              <a:t>・残機の上限は</a:t>
+            </a:r>
+            <a:r>
+              <a:rPr lang="en-US" altLang="ja-JP" dirty="0"/>
+              <a:t>10</a:t>
+            </a:r>
           </a:p>
           <a:p>
             <a:r>
